--- a/Employee Attrition Model/Employee Attrition Predictive.pptx
+++ b/Employee Attrition Model/Employee Attrition Predictive.pptx
@@ -220,7 +220,7 @@
           <a:p>
             <a:fld id="{2AD1A594-041B-449E-89BC-5A6CB1F5A9AB}" type="datetimeFigureOut">
               <a:rPr lang="id-ID" smtClean="0"/>
-              <a:t>02/04/2019</a:t>
+              <a:t>15/11/2019</a:t>
             </a:fld>
             <a:endParaRPr lang="id-ID"/>
           </a:p>
@@ -385,7 +385,7 @@
           <a:p>
             <a:fld id="{3E3CCC32-3486-46B1-A8B7-921064D8D59D}" type="datetimeFigureOut">
               <a:rPr lang="en-US" smtClean="0"/>
-              <a:t>4/2/2019</a:t>
+              <a:t>11/15/2019</a:t>
             </a:fld>
             <a:endParaRPr lang="en-US"/>
           </a:p>
@@ -5103,7 +5103,7 @@
         <p:spPr>
           <a:xfrm>
             <a:off x="609600" y="1196854"/>
-            <a:ext cx="10439400" cy="1815882"/>
+            <a:ext cx="10439400" cy="2246769"/>
           </a:xfrm>
           <a:prstGeom prst="rect">
             <a:avLst/>
@@ -5123,7 +5123,7 @@
                 </a:solidFill>
                 <a:latin typeface="Abadi Extra Light" panose="020B0204020104020204" pitchFamily="34" charset="0"/>
               </a:rPr>
-              <a:t>Independent Variable (IV)</a:t>
+              <a:t>Dependent Variable (DV) (Predicted)</a:t>
             </a:r>
           </a:p>
           <a:p>
@@ -5168,6 +5168,21 @@
                 </a:solidFill>
                 <a:latin typeface="Abadi Extra Light" panose="020B0204020104020204" pitchFamily="34" charset="0"/>
               </a:rPr>
+              <a:t>Classification Error</a:t>
+            </a:r>
+          </a:p>
+          <a:p>
+            <a:pPr marL="457200" indent="-457200">
+              <a:buFont typeface="Arial" panose="020B0604020202020204" pitchFamily="34" charset="0"/>
+              <a:buChar char="•"/>
+            </a:pPr>
+            <a:r>
+              <a:rPr lang="en-AU" sz="2800" dirty="0">
+                <a:solidFill>
+                  <a:schemeClr val="tx2"/>
+                </a:solidFill>
+                <a:latin typeface="Abadi Extra Light" panose="020B0204020104020204" pitchFamily="34" charset="0"/>
+              </a:rPr>
               <a:t>Attrition is </a:t>
             </a:r>
             <a:r>
@@ -5186,14 +5201,8 @@
                 </a:solidFill>
                 <a:latin typeface="Abadi Extra Light" panose="020B0204020104020204" pitchFamily="34" charset="0"/>
               </a:rPr>
-              <a:t>rare = non-normal distribution of IV </a:t>
+              <a:t>rare = non-normal distribution of DV</a:t>
             </a:r>
-            <a:endParaRPr lang="en-AU" sz="2800" i="1" dirty="0">
-              <a:solidFill>
-                <a:schemeClr val="tx2"/>
-              </a:solidFill>
-              <a:latin typeface="Abadi Extra Light" panose="020B0204020104020204" pitchFamily="34" charset="0"/>
-            </a:endParaRPr>
           </a:p>
         </p:txBody>
       </p:sp>
@@ -5211,8 +5220,8 @@
         </p:nvSpPr>
         <p:spPr>
           <a:xfrm>
-            <a:off x="609600" y="3048000"/>
-            <a:ext cx="10439400" cy="1815882"/>
+            <a:off x="609600" y="3505200"/>
+            <a:ext cx="10439400" cy="1384995"/>
           </a:xfrm>
           <a:prstGeom prst="rect">
             <a:avLst/>
@@ -5232,7 +5241,7 @@
                 </a:solidFill>
                 <a:latin typeface="Abadi Extra Light" panose="020B0204020104020204" pitchFamily="34" charset="0"/>
               </a:rPr>
-              <a:t>Dependent Variables (DV)</a:t>
+              <a:t>Independent Variables (IV) (Predictors) </a:t>
             </a:r>
           </a:p>
           <a:p>
@@ -5262,77 +5271,7 @@
                 </a:solidFill>
                 <a:latin typeface="Abadi Extra Light" panose="020B0204020104020204" pitchFamily="34" charset="0"/>
               </a:rPr>
-              <a:t>Multicollinearity (more relevant for some models)</a:t>
-            </a:r>
-          </a:p>
-          <a:p>
-            <a:pPr marL="457200" indent="-457200">
-              <a:buFont typeface="Arial" panose="020B0604020202020204" pitchFamily="34" charset="0"/>
-              <a:buChar char="•"/>
-            </a:pPr>
-            <a:r>
-              <a:rPr lang="en-AU" sz="2800" dirty="0">
-                <a:solidFill>
-                  <a:schemeClr val="tx2"/>
-                </a:solidFill>
-                <a:latin typeface="Abadi Extra Light" panose="020B0204020104020204" pitchFamily="34" charset="0"/>
-              </a:rPr>
               <a:t>Classification Errors</a:t>
-            </a:r>
-          </a:p>
-        </p:txBody>
-      </p:sp>
-      <p:sp>
-        <p:nvSpPr>
-          <p:cNvPr id="7" name="TextBox 6">
-            <a:extLst>
-              <a:ext uri="{FF2B5EF4-FFF2-40B4-BE49-F238E27FC236}">
-                <a16:creationId xmlns:a16="http://schemas.microsoft.com/office/drawing/2014/main" id="{A22FD82C-3571-4C86-9A26-B2FA3F8F87FB}"/>
-              </a:ext>
-            </a:extLst>
-          </p:cNvPr>
-          <p:cNvSpPr txBox="1"/>
-          <p:nvPr/>
-        </p:nvSpPr>
-        <p:spPr>
-          <a:xfrm>
-            <a:off x="533400" y="4953000"/>
-            <a:ext cx="10439400" cy="954107"/>
-          </a:xfrm>
-          <a:prstGeom prst="rect">
-            <a:avLst/>
-          </a:prstGeom>
-          <a:noFill/>
-        </p:spPr>
-        <p:txBody>
-          <a:bodyPr wrap="square" lIns="36000" rIns="36000" rtlCol="0">
-            <a:spAutoFit/>
-          </a:bodyPr>
-          <a:lstStyle/>
-          <a:p>
-            <a:r>
-              <a:rPr lang="en-AU" sz="2800" dirty="0">
-                <a:solidFill>
-                  <a:schemeClr val="tx2"/>
-                </a:solidFill>
-                <a:latin typeface="Abadi Extra Light" panose="020B0204020104020204" pitchFamily="34" charset="0"/>
-              </a:rPr>
-              <a:t>Predictions</a:t>
-            </a:r>
-          </a:p>
-          <a:p>
-            <a:pPr marL="457200" indent="-457200">
-              <a:buFont typeface="Arial" panose="020B0604020202020204" pitchFamily="34" charset="0"/>
-              <a:buChar char="•"/>
-            </a:pPr>
-            <a:r>
-              <a:rPr lang="en-AU" sz="2800" dirty="0">
-                <a:solidFill>
-                  <a:schemeClr val="tx2"/>
-                </a:solidFill>
-                <a:latin typeface="Abadi Extra Light" panose="020B0204020104020204" pitchFamily="34" charset="0"/>
-              </a:rPr>
-              <a:t>Classification Error</a:t>
             </a:r>
           </a:p>
         </p:txBody>
